--- a/public/resources/ppt-slides/control-flow-if-statement.pptx
+++ b/public/resources/ppt-slides/control-flow-if-statement.pptx
@@ -248,7 +248,7 @@
           <a:p>
             <a:fld id="{964302DC-9F53-934F-AE4D-0F1F197008C1}" type="datetimeFigureOut">
               <a:rPr lang="en-US" smtClean="0"/>
-              <a:t>10/3/23</a:t>
+              <a:t>2/2/24</a:t>
             </a:fld>
             <a:endParaRPr lang="en-US"/>
           </a:p>
@@ -418,7 +418,7 @@
           <a:p>
             <a:fld id="{964302DC-9F53-934F-AE4D-0F1F197008C1}" type="datetimeFigureOut">
               <a:rPr lang="en-US" smtClean="0"/>
-              <a:t>10/3/23</a:t>
+              <a:t>2/2/24</a:t>
             </a:fld>
             <a:endParaRPr lang="en-US"/>
           </a:p>
@@ -598,7 +598,7 @@
           <a:p>
             <a:fld id="{964302DC-9F53-934F-AE4D-0F1F197008C1}" type="datetimeFigureOut">
               <a:rPr lang="en-US" smtClean="0"/>
-              <a:t>10/3/23</a:t>
+              <a:t>2/2/24</a:t>
             </a:fld>
             <a:endParaRPr lang="en-US"/>
           </a:p>
@@ -768,7 +768,7 @@
           <a:p>
             <a:fld id="{964302DC-9F53-934F-AE4D-0F1F197008C1}" type="datetimeFigureOut">
               <a:rPr lang="en-US" smtClean="0"/>
-              <a:t>10/3/23</a:t>
+              <a:t>2/2/24</a:t>
             </a:fld>
             <a:endParaRPr lang="en-US"/>
           </a:p>
@@ -1012,7 +1012,7 @@
           <a:p>
             <a:fld id="{964302DC-9F53-934F-AE4D-0F1F197008C1}" type="datetimeFigureOut">
               <a:rPr lang="en-US" smtClean="0"/>
-              <a:t>10/3/23</a:t>
+              <a:t>2/2/24</a:t>
             </a:fld>
             <a:endParaRPr lang="en-US"/>
           </a:p>
@@ -1244,7 +1244,7 @@
           <a:p>
             <a:fld id="{964302DC-9F53-934F-AE4D-0F1F197008C1}" type="datetimeFigureOut">
               <a:rPr lang="en-US" smtClean="0"/>
-              <a:t>10/3/23</a:t>
+              <a:t>2/2/24</a:t>
             </a:fld>
             <a:endParaRPr lang="en-US"/>
           </a:p>
@@ -1611,7 +1611,7 @@
           <a:p>
             <a:fld id="{964302DC-9F53-934F-AE4D-0F1F197008C1}" type="datetimeFigureOut">
               <a:rPr lang="en-US" smtClean="0"/>
-              <a:t>10/3/23</a:t>
+              <a:t>2/2/24</a:t>
             </a:fld>
             <a:endParaRPr lang="en-US"/>
           </a:p>
@@ -1729,7 +1729,7 @@
           <a:p>
             <a:fld id="{964302DC-9F53-934F-AE4D-0F1F197008C1}" type="datetimeFigureOut">
               <a:rPr lang="en-US" smtClean="0"/>
-              <a:t>10/3/23</a:t>
+              <a:t>2/2/24</a:t>
             </a:fld>
             <a:endParaRPr lang="en-US"/>
           </a:p>
@@ -1824,7 +1824,7 @@
           <a:p>
             <a:fld id="{964302DC-9F53-934F-AE4D-0F1F197008C1}" type="datetimeFigureOut">
               <a:rPr lang="en-US" smtClean="0"/>
-              <a:t>10/3/23</a:t>
+              <a:t>2/2/24</a:t>
             </a:fld>
             <a:endParaRPr lang="en-US"/>
           </a:p>
@@ -2101,7 +2101,7 @@
           <a:p>
             <a:fld id="{964302DC-9F53-934F-AE4D-0F1F197008C1}" type="datetimeFigureOut">
               <a:rPr lang="en-US" smtClean="0"/>
-              <a:t>10/3/23</a:t>
+              <a:t>2/2/24</a:t>
             </a:fld>
             <a:endParaRPr lang="en-US"/>
           </a:p>
@@ -2358,7 +2358,7 @@
           <a:p>
             <a:fld id="{964302DC-9F53-934F-AE4D-0F1F197008C1}" type="datetimeFigureOut">
               <a:rPr lang="en-US" smtClean="0"/>
-              <a:t>10/3/23</a:t>
+              <a:t>2/2/24</a:t>
             </a:fld>
             <a:endParaRPr lang="en-US"/>
           </a:p>
@@ -2571,7 +2571,7 @@
           <a:p>
             <a:fld id="{964302DC-9F53-934F-AE4D-0F1F197008C1}" type="datetimeFigureOut">
               <a:rPr lang="en-US" smtClean="0"/>
-              <a:t>10/3/23</a:t>
+              <a:t>2/2/24</a:t>
             </a:fld>
             <a:endParaRPr lang="en-US"/>
           </a:p>
